--- a/ゲーム制作課題「Breaking_UP」/仕様書/タイトル画面関連.pptx
+++ b/ゲーム制作課題「Breaking_UP」/仕様書/タイトル画面関連.pptx
@@ -104,6 +104,11 @@
       </a:defRPr>
     </a:lvl9pPr>
   </p:defaultTextStyle>
+  <p:extLst>
+    <p:ext uri="{EFAFB233-063F-42B5-8137-9DF3F51BA10A}">
+      <p15:sldGuideLst xmlns:p15="http://schemas.microsoft.com/office/powerpoint/2012/main"/>
+    </p:ext>
+  </p:extLst>
 </p:presentation>
 </file>
 
@@ -145,6 +150,9 @@
             <a:off x="1524000" y="1122363"/>
             <a:ext cx="9144000" cy="2387600"/>
           </a:xfrm>
+          <a:prstGeom prst="rect">
+            <a:avLst/>
+          </a:prstGeom>
         </p:spPr>
         <p:txBody>
           <a:bodyPr anchor="b"/>
@@ -182,6 +190,9 @@
             <a:off x="1524000" y="3602038"/>
             <a:ext cx="9144000" cy="1655762"/>
           </a:xfrm>
+          <a:prstGeom prst="rect">
+            <a:avLst/>
+          </a:prstGeom>
         </p:spPr>
         <p:txBody>
           <a:bodyPr/>
@@ -247,14 +258,22 @@
             <p:ph type="dt" sz="half" idx="10"/>
           </p:nvPr>
         </p:nvSpPr>
-        <p:spPr/>
+        <p:spPr>
+          <a:xfrm>
+            <a:off x="838200" y="6356350"/>
+            <a:ext cx="2743200" cy="365125"/>
+          </a:xfrm>
+          <a:prstGeom prst="rect">
+            <a:avLst/>
+          </a:prstGeom>
+        </p:spPr>
         <p:txBody>
           <a:bodyPr/>
           <a:lstStyle/>
           <a:p>
             <a:fld id="{37F8C306-A8F6-4942-97D0-C7DA3DD9419B}" type="datetimeFigureOut">
               <a:rPr kumimoji="1" lang="ja-JP" altLang="en-US" smtClean="0"/>
-              <a:t>2026/2/5</a:t>
+              <a:t>2026/2/6</a:t>
             </a:fld>
             <a:endParaRPr kumimoji="1" lang="ja-JP" altLang="en-US"/>
           </a:p>
@@ -276,7 +295,15 @@
             <p:ph type="ftr" sz="quarter" idx="11"/>
           </p:nvPr>
         </p:nvSpPr>
-        <p:spPr/>
+        <p:spPr>
+          <a:xfrm>
+            <a:off x="4038600" y="6356350"/>
+            <a:ext cx="4114800" cy="365125"/>
+          </a:xfrm>
+          <a:prstGeom prst="rect">
+            <a:avLst/>
+          </a:prstGeom>
+        </p:spPr>
         <p:txBody>
           <a:bodyPr/>
           <a:lstStyle/>
@@ -301,7 +328,15 @@
             <p:ph type="sldNum" sz="quarter" idx="12"/>
           </p:nvPr>
         </p:nvSpPr>
-        <p:spPr/>
+        <p:spPr>
+          <a:xfrm>
+            <a:off x="8610600" y="6356350"/>
+            <a:ext cx="2743200" cy="365125"/>
+          </a:xfrm>
+          <a:prstGeom prst="rect">
+            <a:avLst/>
+          </a:prstGeom>
+        </p:spPr>
         <p:txBody>
           <a:bodyPr/>
           <a:lstStyle/>
@@ -360,7 +395,15 @@
             <p:ph type="title"/>
           </p:nvPr>
         </p:nvSpPr>
-        <p:spPr/>
+        <p:spPr>
+          <a:xfrm>
+            <a:off x="838200" y="365125"/>
+            <a:ext cx="10515600" cy="1325563"/>
+          </a:xfrm>
+          <a:prstGeom prst="rect">
+            <a:avLst/>
+          </a:prstGeom>
+        </p:spPr>
         <p:txBody>
           <a:bodyPr/>
           <a:lstStyle/>
@@ -388,7 +431,15 @@
             <p:ph type="body" orient="vert" idx="1"/>
           </p:nvPr>
         </p:nvSpPr>
-        <p:spPr/>
+        <p:spPr>
+          <a:xfrm>
+            <a:off x="838200" y="1825625"/>
+            <a:ext cx="10515600" cy="4351338"/>
+          </a:xfrm>
+          <a:prstGeom prst="rect">
+            <a:avLst/>
+          </a:prstGeom>
+        </p:spPr>
         <p:txBody>
           <a:bodyPr vert="eaVert"/>
           <a:lstStyle/>
@@ -477,14 +528,22 @@
             <p:ph type="dt" sz="half" idx="10"/>
           </p:nvPr>
         </p:nvSpPr>
-        <p:spPr/>
+        <p:spPr>
+          <a:xfrm>
+            <a:off x="838200" y="6356350"/>
+            <a:ext cx="2743200" cy="365125"/>
+          </a:xfrm>
+          <a:prstGeom prst="rect">
+            <a:avLst/>
+          </a:prstGeom>
+        </p:spPr>
         <p:txBody>
           <a:bodyPr/>
           <a:lstStyle/>
           <a:p>
             <a:fld id="{37F8C306-A8F6-4942-97D0-C7DA3DD9419B}" type="datetimeFigureOut">
               <a:rPr kumimoji="1" lang="ja-JP" altLang="en-US" smtClean="0"/>
-              <a:t>2026/2/5</a:t>
+              <a:t>2026/2/6</a:t>
             </a:fld>
             <a:endParaRPr kumimoji="1" lang="ja-JP" altLang="en-US"/>
           </a:p>
@@ -506,7 +565,15 @@
             <p:ph type="ftr" sz="quarter" idx="11"/>
           </p:nvPr>
         </p:nvSpPr>
-        <p:spPr/>
+        <p:spPr>
+          <a:xfrm>
+            <a:off x="4038600" y="6356350"/>
+            <a:ext cx="4114800" cy="365125"/>
+          </a:xfrm>
+          <a:prstGeom prst="rect">
+            <a:avLst/>
+          </a:prstGeom>
+        </p:spPr>
         <p:txBody>
           <a:bodyPr/>
           <a:lstStyle/>
@@ -531,7 +598,15 @@
             <p:ph type="sldNum" sz="quarter" idx="12"/>
           </p:nvPr>
         </p:nvSpPr>
-        <p:spPr/>
+        <p:spPr>
+          <a:xfrm>
+            <a:off x="8610600" y="6356350"/>
+            <a:ext cx="2743200" cy="365125"/>
+          </a:xfrm>
+          <a:prstGeom prst="rect">
+            <a:avLst/>
+          </a:prstGeom>
+        </p:spPr>
         <p:txBody>
           <a:bodyPr/>
           <a:lstStyle/>
@@ -595,6 +670,9 @@
             <a:off x="8724900" y="365125"/>
             <a:ext cx="2628900" cy="5811838"/>
           </a:xfrm>
+          <a:prstGeom prst="rect">
+            <a:avLst/>
+          </a:prstGeom>
         </p:spPr>
         <p:txBody>
           <a:bodyPr vert="eaVert"/>
@@ -628,6 +706,9 @@
             <a:off x="838200" y="365125"/>
             <a:ext cx="7734300" cy="5811838"/>
           </a:xfrm>
+          <a:prstGeom prst="rect">
+            <a:avLst/>
+          </a:prstGeom>
         </p:spPr>
         <p:txBody>
           <a:bodyPr vert="eaVert"/>
@@ -717,14 +798,22 @@
             <p:ph type="dt" sz="half" idx="10"/>
           </p:nvPr>
         </p:nvSpPr>
-        <p:spPr/>
+        <p:spPr>
+          <a:xfrm>
+            <a:off x="838200" y="6356350"/>
+            <a:ext cx="2743200" cy="365125"/>
+          </a:xfrm>
+          <a:prstGeom prst="rect">
+            <a:avLst/>
+          </a:prstGeom>
+        </p:spPr>
         <p:txBody>
           <a:bodyPr/>
           <a:lstStyle/>
           <a:p>
             <a:fld id="{37F8C306-A8F6-4942-97D0-C7DA3DD9419B}" type="datetimeFigureOut">
               <a:rPr kumimoji="1" lang="ja-JP" altLang="en-US" smtClean="0"/>
-              <a:t>2026/2/5</a:t>
+              <a:t>2026/2/6</a:t>
             </a:fld>
             <a:endParaRPr kumimoji="1" lang="ja-JP" altLang="en-US"/>
           </a:p>
@@ -746,7 +835,15 @@
             <p:ph type="ftr" sz="quarter" idx="11"/>
           </p:nvPr>
         </p:nvSpPr>
-        <p:spPr/>
+        <p:spPr>
+          <a:xfrm>
+            <a:off x="4038600" y="6356350"/>
+            <a:ext cx="4114800" cy="365125"/>
+          </a:xfrm>
+          <a:prstGeom prst="rect">
+            <a:avLst/>
+          </a:prstGeom>
+        </p:spPr>
         <p:txBody>
           <a:bodyPr/>
           <a:lstStyle/>
@@ -771,7 +868,15 @@
             <p:ph type="sldNum" sz="quarter" idx="12"/>
           </p:nvPr>
         </p:nvSpPr>
-        <p:spPr/>
+        <p:spPr>
+          <a:xfrm>
+            <a:off x="8610600" y="6356350"/>
+            <a:ext cx="2743200" cy="365125"/>
+          </a:xfrm>
+          <a:prstGeom prst="rect">
+            <a:avLst/>
+          </a:prstGeom>
+        </p:spPr>
         <p:txBody>
           <a:bodyPr/>
           <a:lstStyle/>
@@ -830,7 +935,15 @@
             <p:ph type="title"/>
           </p:nvPr>
         </p:nvSpPr>
-        <p:spPr/>
+        <p:spPr>
+          <a:xfrm>
+            <a:off x="838200" y="365125"/>
+            <a:ext cx="10515600" cy="1325563"/>
+          </a:xfrm>
+          <a:prstGeom prst="rect">
+            <a:avLst/>
+          </a:prstGeom>
+        </p:spPr>
         <p:txBody>
           <a:bodyPr/>
           <a:lstStyle/>
@@ -858,7 +971,15 @@
             <p:ph idx="1"/>
           </p:nvPr>
         </p:nvSpPr>
-        <p:spPr/>
+        <p:spPr>
+          <a:xfrm>
+            <a:off x="838200" y="1825625"/>
+            <a:ext cx="10515600" cy="4351338"/>
+          </a:xfrm>
+          <a:prstGeom prst="rect">
+            <a:avLst/>
+          </a:prstGeom>
+        </p:spPr>
         <p:txBody>
           <a:bodyPr/>
           <a:lstStyle/>
@@ -947,14 +1068,22 @@
             <p:ph type="dt" sz="half" idx="10"/>
           </p:nvPr>
         </p:nvSpPr>
-        <p:spPr/>
+        <p:spPr>
+          <a:xfrm>
+            <a:off x="838200" y="6356350"/>
+            <a:ext cx="2743200" cy="365125"/>
+          </a:xfrm>
+          <a:prstGeom prst="rect">
+            <a:avLst/>
+          </a:prstGeom>
+        </p:spPr>
         <p:txBody>
           <a:bodyPr/>
           <a:lstStyle/>
           <a:p>
             <a:fld id="{37F8C306-A8F6-4942-97D0-C7DA3DD9419B}" type="datetimeFigureOut">
               <a:rPr kumimoji="1" lang="ja-JP" altLang="en-US" smtClean="0"/>
-              <a:t>2026/2/5</a:t>
+              <a:t>2026/2/6</a:t>
             </a:fld>
             <a:endParaRPr kumimoji="1" lang="ja-JP" altLang="en-US"/>
           </a:p>
@@ -976,7 +1105,15 @@
             <p:ph type="ftr" sz="quarter" idx="11"/>
           </p:nvPr>
         </p:nvSpPr>
-        <p:spPr/>
+        <p:spPr>
+          <a:xfrm>
+            <a:off x="4038600" y="6356350"/>
+            <a:ext cx="4114800" cy="365125"/>
+          </a:xfrm>
+          <a:prstGeom prst="rect">
+            <a:avLst/>
+          </a:prstGeom>
+        </p:spPr>
         <p:txBody>
           <a:bodyPr/>
           <a:lstStyle/>
@@ -1001,7 +1138,15 @@
             <p:ph type="sldNum" sz="quarter" idx="12"/>
           </p:nvPr>
         </p:nvSpPr>
-        <p:spPr/>
+        <p:spPr>
+          <a:xfrm>
+            <a:off x="8610600" y="6356350"/>
+            <a:ext cx="2743200" cy="365125"/>
+          </a:xfrm>
+          <a:prstGeom prst="rect">
+            <a:avLst/>
+          </a:prstGeom>
+        </p:spPr>
         <p:txBody>
           <a:bodyPr/>
           <a:lstStyle/>
@@ -1065,6 +1210,9 @@
             <a:off x="831850" y="1709738"/>
             <a:ext cx="10515600" cy="2852737"/>
           </a:xfrm>
+          <a:prstGeom prst="rect">
+            <a:avLst/>
+          </a:prstGeom>
         </p:spPr>
         <p:txBody>
           <a:bodyPr anchor="b"/>
@@ -1102,6 +1250,9 @@
             <a:off x="831850" y="4589463"/>
             <a:ext cx="10515600" cy="1500187"/>
           </a:xfrm>
+          <a:prstGeom prst="rect">
+            <a:avLst/>
+          </a:prstGeom>
         </p:spPr>
         <p:txBody>
           <a:bodyPr/>
@@ -1222,14 +1373,22 @@
             <p:ph type="dt" sz="half" idx="10"/>
           </p:nvPr>
         </p:nvSpPr>
-        <p:spPr/>
+        <p:spPr>
+          <a:xfrm>
+            <a:off x="838200" y="6356350"/>
+            <a:ext cx="2743200" cy="365125"/>
+          </a:xfrm>
+          <a:prstGeom prst="rect">
+            <a:avLst/>
+          </a:prstGeom>
+        </p:spPr>
         <p:txBody>
           <a:bodyPr/>
           <a:lstStyle/>
           <a:p>
             <a:fld id="{37F8C306-A8F6-4942-97D0-C7DA3DD9419B}" type="datetimeFigureOut">
               <a:rPr kumimoji="1" lang="ja-JP" altLang="en-US" smtClean="0"/>
-              <a:t>2026/2/5</a:t>
+              <a:t>2026/2/6</a:t>
             </a:fld>
             <a:endParaRPr kumimoji="1" lang="ja-JP" altLang="en-US"/>
           </a:p>
@@ -1251,7 +1410,15 @@
             <p:ph type="ftr" sz="quarter" idx="11"/>
           </p:nvPr>
         </p:nvSpPr>
-        <p:spPr/>
+        <p:spPr>
+          <a:xfrm>
+            <a:off x="4038600" y="6356350"/>
+            <a:ext cx="4114800" cy="365125"/>
+          </a:xfrm>
+          <a:prstGeom prst="rect">
+            <a:avLst/>
+          </a:prstGeom>
+        </p:spPr>
         <p:txBody>
           <a:bodyPr/>
           <a:lstStyle/>
@@ -1276,7 +1443,15 @@
             <p:ph type="sldNum" sz="quarter" idx="12"/>
           </p:nvPr>
         </p:nvSpPr>
-        <p:spPr/>
+        <p:spPr>
+          <a:xfrm>
+            <a:off x="8610600" y="6356350"/>
+            <a:ext cx="2743200" cy="365125"/>
+          </a:xfrm>
+          <a:prstGeom prst="rect">
+            <a:avLst/>
+          </a:prstGeom>
+        </p:spPr>
         <p:txBody>
           <a:bodyPr/>
           <a:lstStyle/>
@@ -1335,7 +1510,15 @@
             <p:ph type="title"/>
           </p:nvPr>
         </p:nvSpPr>
-        <p:spPr/>
+        <p:spPr>
+          <a:xfrm>
+            <a:off x="838200" y="365125"/>
+            <a:ext cx="10515600" cy="1325563"/>
+          </a:xfrm>
+          <a:prstGeom prst="rect">
+            <a:avLst/>
+          </a:prstGeom>
+        </p:spPr>
         <p:txBody>
           <a:bodyPr/>
           <a:lstStyle/>
@@ -1368,6 +1551,9 @@
             <a:off x="838200" y="1825625"/>
             <a:ext cx="5181600" cy="4351338"/>
           </a:xfrm>
+          <a:prstGeom prst="rect">
+            <a:avLst/>
+          </a:prstGeom>
         </p:spPr>
         <p:txBody>
           <a:bodyPr/>
@@ -1462,6 +1648,9 @@
             <a:off x="6172200" y="1825625"/>
             <a:ext cx="5181600" cy="4351338"/>
           </a:xfrm>
+          <a:prstGeom prst="rect">
+            <a:avLst/>
+          </a:prstGeom>
         </p:spPr>
         <p:txBody>
           <a:bodyPr/>
@@ -1551,14 +1740,22 @@
             <p:ph type="dt" sz="half" idx="10"/>
           </p:nvPr>
         </p:nvSpPr>
-        <p:spPr/>
+        <p:spPr>
+          <a:xfrm>
+            <a:off x="838200" y="6356350"/>
+            <a:ext cx="2743200" cy="365125"/>
+          </a:xfrm>
+          <a:prstGeom prst="rect">
+            <a:avLst/>
+          </a:prstGeom>
+        </p:spPr>
         <p:txBody>
           <a:bodyPr/>
           <a:lstStyle/>
           <a:p>
             <a:fld id="{37F8C306-A8F6-4942-97D0-C7DA3DD9419B}" type="datetimeFigureOut">
               <a:rPr kumimoji="1" lang="ja-JP" altLang="en-US" smtClean="0"/>
-              <a:t>2026/2/5</a:t>
+              <a:t>2026/2/6</a:t>
             </a:fld>
             <a:endParaRPr kumimoji="1" lang="ja-JP" altLang="en-US"/>
           </a:p>
@@ -1580,7 +1777,15 @@
             <p:ph type="ftr" sz="quarter" idx="11"/>
           </p:nvPr>
         </p:nvSpPr>
-        <p:spPr/>
+        <p:spPr>
+          <a:xfrm>
+            <a:off x="4038600" y="6356350"/>
+            <a:ext cx="4114800" cy="365125"/>
+          </a:xfrm>
+          <a:prstGeom prst="rect">
+            <a:avLst/>
+          </a:prstGeom>
+        </p:spPr>
         <p:txBody>
           <a:bodyPr/>
           <a:lstStyle/>
@@ -1605,7 +1810,15 @@
             <p:ph type="sldNum" sz="quarter" idx="12"/>
           </p:nvPr>
         </p:nvSpPr>
-        <p:spPr/>
+        <p:spPr>
+          <a:xfrm>
+            <a:off x="8610600" y="6356350"/>
+            <a:ext cx="2743200" cy="365125"/>
+          </a:xfrm>
+          <a:prstGeom prst="rect">
+            <a:avLst/>
+          </a:prstGeom>
+        </p:spPr>
         <p:txBody>
           <a:bodyPr/>
           <a:lstStyle/>
@@ -1669,6 +1882,9 @@
             <a:off x="839788" y="365125"/>
             <a:ext cx="10515600" cy="1325563"/>
           </a:xfrm>
+          <a:prstGeom prst="rect">
+            <a:avLst/>
+          </a:prstGeom>
         </p:spPr>
         <p:txBody>
           <a:bodyPr/>
@@ -1702,6 +1918,9 @@
             <a:off x="839788" y="1681163"/>
             <a:ext cx="5157787" cy="823912"/>
           </a:xfrm>
+          <a:prstGeom prst="rect">
+            <a:avLst/>
+          </a:prstGeom>
         </p:spPr>
         <p:txBody>
           <a:bodyPr anchor="b"/>
@@ -1773,6 +1992,9 @@
             <a:off x="839788" y="2505075"/>
             <a:ext cx="5157787" cy="3684588"/>
           </a:xfrm>
+          <a:prstGeom prst="rect">
+            <a:avLst/>
+          </a:prstGeom>
         </p:spPr>
         <p:txBody>
           <a:bodyPr/>
@@ -1867,6 +2089,9 @@
             <a:off x="6172200" y="1681163"/>
             <a:ext cx="5183188" cy="823912"/>
           </a:xfrm>
+          <a:prstGeom prst="rect">
+            <a:avLst/>
+          </a:prstGeom>
         </p:spPr>
         <p:txBody>
           <a:bodyPr anchor="b"/>
@@ -1938,6 +2163,9 @@
             <a:off x="6172200" y="2505075"/>
             <a:ext cx="5183188" cy="3684588"/>
           </a:xfrm>
+          <a:prstGeom prst="rect">
+            <a:avLst/>
+          </a:prstGeom>
         </p:spPr>
         <p:txBody>
           <a:bodyPr/>
@@ -2027,14 +2255,22 @@
             <p:ph type="dt" sz="half" idx="10"/>
           </p:nvPr>
         </p:nvSpPr>
-        <p:spPr/>
+        <p:spPr>
+          <a:xfrm>
+            <a:off x="838200" y="6356350"/>
+            <a:ext cx="2743200" cy="365125"/>
+          </a:xfrm>
+          <a:prstGeom prst="rect">
+            <a:avLst/>
+          </a:prstGeom>
+        </p:spPr>
         <p:txBody>
           <a:bodyPr/>
           <a:lstStyle/>
           <a:p>
             <a:fld id="{37F8C306-A8F6-4942-97D0-C7DA3DD9419B}" type="datetimeFigureOut">
               <a:rPr kumimoji="1" lang="ja-JP" altLang="en-US" smtClean="0"/>
-              <a:t>2026/2/5</a:t>
+              <a:t>2026/2/6</a:t>
             </a:fld>
             <a:endParaRPr kumimoji="1" lang="ja-JP" altLang="en-US"/>
           </a:p>
@@ -2056,7 +2292,15 @@
             <p:ph type="ftr" sz="quarter" idx="11"/>
           </p:nvPr>
         </p:nvSpPr>
-        <p:spPr/>
+        <p:spPr>
+          <a:xfrm>
+            <a:off x="4038600" y="6356350"/>
+            <a:ext cx="4114800" cy="365125"/>
+          </a:xfrm>
+          <a:prstGeom prst="rect">
+            <a:avLst/>
+          </a:prstGeom>
+        </p:spPr>
         <p:txBody>
           <a:bodyPr/>
           <a:lstStyle/>
@@ -2081,7 +2325,15 @@
             <p:ph type="sldNum" sz="quarter" idx="12"/>
           </p:nvPr>
         </p:nvSpPr>
-        <p:spPr/>
+        <p:spPr>
+          <a:xfrm>
+            <a:off x="8610600" y="6356350"/>
+            <a:ext cx="2743200" cy="365125"/>
+          </a:xfrm>
+          <a:prstGeom prst="rect">
+            <a:avLst/>
+          </a:prstGeom>
+        </p:spPr>
         <p:txBody>
           <a:bodyPr/>
           <a:lstStyle/>
@@ -2140,7 +2392,15 @@
             <p:ph type="title"/>
           </p:nvPr>
         </p:nvSpPr>
-        <p:spPr/>
+        <p:spPr>
+          <a:xfrm>
+            <a:off x="838200" y="365125"/>
+            <a:ext cx="10515600" cy="1325563"/>
+          </a:xfrm>
+          <a:prstGeom prst="rect">
+            <a:avLst/>
+          </a:prstGeom>
+        </p:spPr>
         <p:txBody>
           <a:bodyPr/>
           <a:lstStyle/>
@@ -2168,14 +2428,22 @@
             <p:ph type="dt" sz="half" idx="10"/>
           </p:nvPr>
         </p:nvSpPr>
-        <p:spPr/>
+        <p:spPr>
+          <a:xfrm>
+            <a:off x="838200" y="6356350"/>
+            <a:ext cx="2743200" cy="365125"/>
+          </a:xfrm>
+          <a:prstGeom prst="rect">
+            <a:avLst/>
+          </a:prstGeom>
+        </p:spPr>
         <p:txBody>
           <a:bodyPr/>
           <a:lstStyle/>
           <a:p>
             <a:fld id="{37F8C306-A8F6-4942-97D0-C7DA3DD9419B}" type="datetimeFigureOut">
               <a:rPr kumimoji="1" lang="ja-JP" altLang="en-US" smtClean="0"/>
-              <a:t>2026/2/5</a:t>
+              <a:t>2026/2/6</a:t>
             </a:fld>
             <a:endParaRPr kumimoji="1" lang="ja-JP" altLang="en-US"/>
           </a:p>
@@ -2197,7 +2465,15 @@
             <p:ph type="ftr" sz="quarter" idx="11"/>
           </p:nvPr>
         </p:nvSpPr>
-        <p:spPr/>
+        <p:spPr>
+          <a:xfrm>
+            <a:off x="4038600" y="6356350"/>
+            <a:ext cx="4114800" cy="365125"/>
+          </a:xfrm>
+          <a:prstGeom prst="rect">
+            <a:avLst/>
+          </a:prstGeom>
+        </p:spPr>
         <p:txBody>
           <a:bodyPr/>
           <a:lstStyle/>
@@ -2222,7 +2498,15 @@
             <p:ph type="sldNum" sz="quarter" idx="12"/>
           </p:nvPr>
         </p:nvSpPr>
-        <p:spPr/>
+        <p:spPr>
+          <a:xfrm>
+            <a:off x="8610600" y="6356350"/>
+            <a:ext cx="2743200" cy="365125"/>
+          </a:xfrm>
+          <a:prstGeom prst="rect">
+            <a:avLst/>
+          </a:prstGeom>
+        </p:spPr>
         <p:txBody>
           <a:bodyPr/>
           <a:lstStyle/>
@@ -2281,14 +2565,22 @@
             <p:ph type="dt" sz="half" idx="10"/>
           </p:nvPr>
         </p:nvSpPr>
-        <p:spPr/>
+        <p:spPr>
+          <a:xfrm>
+            <a:off x="838200" y="6356350"/>
+            <a:ext cx="2743200" cy="365125"/>
+          </a:xfrm>
+          <a:prstGeom prst="rect">
+            <a:avLst/>
+          </a:prstGeom>
+        </p:spPr>
         <p:txBody>
           <a:bodyPr/>
           <a:lstStyle/>
           <a:p>
             <a:fld id="{37F8C306-A8F6-4942-97D0-C7DA3DD9419B}" type="datetimeFigureOut">
               <a:rPr kumimoji="1" lang="ja-JP" altLang="en-US" smtClean="0"/>
-              <a:t>2026/2/5</a:t>
+              <a:t>2026/2/6</a:t>
             </a:fld>
             <a:endParaRPr kumimoji="1" lang="ja-JP" altLang="en-US"/>
           </a:p>
@@ -2310,7 +2602,15 @@
             <p:ph type="ftr" sz="quarter" idx="11"/>
           </p:nvPr>
         </p:nvSpPr>
-        <p:spPr/>
+        <p:spPr>
+          <a:xfrm>
+            <a:off x="4038600" y="6356350"/>
+            <a:ext cx="4114800" cy="365125"/>
+          </a:xfrm>
+          <a:prstGeom prst="rect">
+            <a:avLst/>
+          </a:prstGeom>
+        </p:spPr>
         <p:txBody>
           <a:bodyPr/>
           <a:lstStyle/>
@@ -2335,7 +2635,15 @@
             <p:ph type="sldNum" sz="quarter" idx="12"/>
           </p:nvPr>
         </p:nvSpPr>
-        <p:spPr/>
+        <p:spPr>
+          <a:xfrm>
+            <a:off x="8610600" y="6356350"/>
+            <a:ext cx="2743200" cy="365125"/>
+          </a:xfrm>
+          <a:prstGeom prst="rect">
+            <a:avLst/>
+          </a:prstGeom>
+        </p:spPr>
         <p:txBody>
           <a:bodyPr/>
           <a:lstStyle/>
@@ -2399,6 +2707,9 @@
             <a:off x="839788" y="457200"/>
             <a:ext cx="3932237" cy="1600200"/>
           </a:xfrm>
+          <a:prstGeom prst="rect">
+            <a:avLst/>
+          </a:prstGeom>
         </p:spPr>
         <p:txBody>
           <a:bodyPr anchor="b"/>
@@ -2436,6 +2747,9 @@
             <a:off x="5183188" y="987425"/>
             <a:ext cx="6172200" cy="4873625"/>
           </a:xfrm>
+          <a:prstGeom prst="rect">
+            <a:avLst/>
+          </a:prstGeom>
         </p:spPr>
         <p:txBody>
           <a:bodyPr/>
@@ -2558,6 +2872,9 @@
             <a:off x="839788" y="2057400"/>
             <a:ext cx="3932237" cy="3811588"/>
           </a:xfrm>
+          <a:prstGeom prst="rect">
+            <a:avLst/>
+          </a:prstGeom>
         </p:spPr>
         <p:txBody>
           <a:bodyPr/>
@@ -2624,14 +2941,22 @@
             <p:ph type="dt" sz="half" idx="10"/>
           </p:nvPr>
         </p:nvSpPr>
-        <p:spPr/>
+        <p:spPr>
+          <a:xfrm>
+            <a:off x="838200" y="6356350"/>
+            <a:ext cx="2743200" cy="365125"/>
+          </a:xfrm>
+          <a:prstGeom prst="rect">
+            <a:avLst/>
+          </a:prstGeom>
+        </p:spPr>
         <p:txBody>
           <a:bodyPr/>
           <a:lstStyle/>
           <a:p>
             <a:fld id="{37F8C306-A8F6-4942-97D0-C7DA3DD9419B}" type="datetimeFigureOut">
               <a:rPr kumimoji="1" lang="ja-JP" altLang="en-US" smtClean="0"/>
-              <a:t>2026/2/5</a:t>
+              <a:t>2026/2/6</a:t>
             </a:fld>
             <a:endParaRPr kumimoji="1" lang="ja-JP" altLang="en-US"/>
           </a:p>
@@ -2653,7 +2978,15 @@
             <p:ph type="ftr" sz="quarter" idx="11"/>
           </p:nvPr>
         </p:nvSpPr>
-        <p:spPr/>
+        <p:spPr>
+          <a:xfrm>
+            <a:off x="4038600" y="6356350"/>
+            <a:ext cx="4114800" cy="365125"/>
+          </a:xfrm>
+          <a:prstGeom prst="rect">
+            <a:avLst/>
+          </a:prstGeom>
+        </p:spPr>
         <p:txBody>
           <a:bodyPr/>
           <a:lstStyle/>
@@ -2678,7 +3011,15 @@
             <p:ph type="sldNum" sz="quarter" idx="12"/>
           </p:nvPr>
         </p:nvSpPr>
-        <p:spPr/>
+        <p:spPr>
+          <a:xfrm>
+            <a:off x="8610600" y="6356350"/>
+            <a:ext cx="2743200" cy="365125"/>
+          </a:xfrm>
+          <a:prstGeom prst="rect">
+            <a:avLst/>
+          </a:prstGeom>
+        </p:spPr>
         <p:txBody>
           <a:bodyPr/>
           <a:lstStyle/>
@@ -2742,6 +3083,9 @@
             <a:off x="839788" y="457200"/>
             <a:ext cx="3932237" cy="1600200"/>
           </a:xfrm>
+          <a:prstGeom prst="rect">
+            <a:avLst/>
+          </a:prstGeom>
         </p:spPr>
         <p:txBody>
           <a:bodyPr anchor="b"/>
@@ -2779,6 +3123,9 @@
             <a:off x="5183188" y="987425"/>
             <a:ext cx="6172200" cy="4873625"/>
           </a:xfrm>
+          <a:prstGeom prst="rect">
+            <a:avLst/>
+          </a:prstGeom>
         </p:spPr>
         <p:txBody>
           <a:bodyPr/>
@@ -2846,6 +3193,9 @@
             <a:off x="839788" y="2057400"/>
             <a:ext cx="3932237" cy="3811588"/>
           </a:xfrm>
+          <a:prstGeom prst="rect">
+            <a:avLst/>
+          </a:prstGeom>
         </p:spPr>
         <p:txBody>
           <a:bodyPr/>
@@ -2912,14 +3262,22 @@
             <p:ph type="dt" sz="half" idx="10"/>
           </p:nvPr>
         </p:nvSpPr>
-        <p:spPr/>
+        <p:spPr>
+          <a:xfrm>
+            <a:off x="838200" y="6356350"/>
+            <a:ext cx="2743200" cy="365125"/>
+          </a:xfrm>
+          <a:prstGeom prst="rect">
+            <a:avLst/>
+          </a:prstGeom>
+        </p:spPr>
         <p:txBody>
           <a:bodyPr/>
           <a:lstStyle/>
           <a:p>
             <a:fld id="{37F8C306-A8F6-4942-97D0-C7DA3DD9419B}" type="datetimeFigureOut">
               <a:rPr kumimoji="1" lang="ja-JP" altLang="en-US" smtClean="0"/>
-              <a:t>2026/2/5</a:t>
+              <a:t>2026/2/6</a:t>
             </a:fld>
             <a:endParaRPr kumimoji="1" lang="ja-JP" altLang="en-US"/>
           </a:p>
@@ -2941,7 +3299,15 @@
             <p:ph type="ftr" sz="quarter" idx="11"/>
           </p:nvPr>
         </p:nvSpPr>
-        <p:spPr/>
+        <p:spPr>
+          <a:xfrm>
+            <a:off x="4038600" y="6356350"/>
+            <a:ext cx="4114800" cy="365125"/>
+          </a:xfrm>
+          <a:prstGeom prst="rect">
+            <a:avLst/>
+          </a:prstGeom>
+        </p:spPr>
         <p:txBody>
           <a:bodyPr/>
           <a:lstStyle/>
@@ -2966,7 +3332,15 @@
             <p:ph type="sldNum" sz="quarter" idx="12"/>
           </p:nvPr>
         </p:nvSpPr>
-        <p:spPr/>
+        <p:spPr>
+          <a:xfrm>
+            <a:off x="8610600" y="6356350"/>
+            <a:ext cx="2743200" cy="365125"/>
+          </a:xfrm>
+          <a:prstGeom prst="rect">
+            <a:avLst/>
+          </a:prstGeom>
+        </p:spPr>
         <p:txBody>
           <a:bodyPr/>
           <a:lstStyle/>
@@ -3014,280 +3388,6 @@
           <a:chExt cx="0" cy="0"/>
         </a:xfrm>
       </p:grpSpPr>
-      <p:sp>
-        <p:nvSpPr>
-          <p:cNvPr id="2" name="タイトル プレースホルダー 1">
-            <a:extLst>
-              <a:ext uri="{FF2B5EF4-FFF2-40B4-BE49-F238E27FC236}">
-                <a16:creationId xmlns:a16="http://schemas.microsoft.com/office/drawing/2014/main" id="{283D6B3F-DB96-4363-B8B9-0E9DD6E5A695}"/>
-              </a:ext>
-            </a:extLst>
-          </p:cNvPr>
-          <p:cNvSpPr>
-            <a:spLocks noGrp="1"/>
-          </p:cNvSpPr>
-          <p:nvPr>
-            <p:ph type="title"/>
-          </p:nvPr>
-        </p:nvSpPr>
-        <p:spPr>
-          <a:xfrm>
-            <a:off x="838200" y="365125"/>
-            <a:ext cx="10515600" cy="1325563"/>
-          </a:xfrm>
-          <a:prstGeom prst="rect">
-            <a:avLst/>
-          </a:prstGeom>
-        </p:spPr>
-        <p:txBody>
-          <a:bodyPr vert="horz" lIns="91440" tIns="45720" rIns="91440" bIns="45720" rtlCol="0" anchor="ctr">
-            <a:normAutofit/>
-          </a:bodyPr>
-          <a:lstStyle/>
-          <a:p>
-            <a:r>
-              <a:rPr kumimoji="1" lang="ja-JP" altLang="en-US"/>
-              <a:t>マスター タイトルの書式設定</a:t>
-            </a:r>
-          </a:p>
-        </p:txBody>
-      </p:sp>
-      <p:sp>
-        <p:nvSpPr>
-          <p:cNvPr id="3" name="テキスト プレースホルダー 2">
-            <a:extLst>
-              <a:ext uri="{FF2B5EF4-FFF2-40B4-BE49-F238E27FC236}">
-                <a16:creationId xmlns:a16="http://schemas.microsoft.com/office/drawing/2014/main" id="{865B6F2D-DA3F-46D9-BFF2-FB09CFC2083C}"/>
-              </a:ext>
-            </a:extLst>
-          </p:cNvPr>
-          <p:cNvSpPr>
-            <a:spLocks noGrp="1"/>
-          </p:cNvSpPr>
-          <p:nvPr>
-            <p:ph type="body" idx="1"/>
-          </p:nvPr>
-        </p:nvSpPr>
-        <p:spPr>
-          <a:xfrm>
-            <a:off x="838200" y="1825625"/>
-            <a:ext cx="10515600" cy="4351338"/>
-          </a:xfrm>
-          <a:prstGeom prst="rect">
-            <a:avLst/>
-          </a:prstGeom>
-        </p:spPr>
-        <p:txBody>
-          <a:bodyPr vert="horz" lIns="91440" tIns="45720" rIns="91440" bIns="45720" rtlCol="0">
-            <a:normAutofit/>
-          </a:bodyPr>
-          <a:lstStyle/>
-          <a:p>
-            <a:pPr lvl="0"/>
-            <a:r>
-              <a:rPr kumimoji="1" lang="ja-JP" altLang="en-US"/>
-              <a:t>マスター テキストの書式設定</a:t>
-            </a:r>
-          </a:p>
-          <a:p>
-            <a:pPr lvl="1"/>
-            <a:r>
-              <a:rPr kumimoji="1" lang="ja-JP" altLang="en-US"/>
-              <a:t>第 </a:t>
-            </a:r>
-            <a:r>
-              <a:rPr kumimoji="1" lang="en-US" altLang="ja-JP"/>
-              <a:t>2 </a:t>
-            </a:r>
-            <a:r>
-              <a:rPr kumimoji="1" lang="ja-JP" altLang="en-US"/>
-              <a:t>レベル</a:t>
-            </a:r>
-          </a:p>
-          <a:p>
-            <a:pPr lvl="2"/>
-            <a:r>
-              <a:rPr kumimoji="1" lang="ja-JP" altLang="en-US"/>
-              <a:t>第 </a:t>
-            </a:r>
-            <a:r>
-              <a:rPr kumimoji="1" lang="en-US" altLang="ja-JP"/>
-              <a:t>3 </a:t>
-            </a:r>
-            <a:r>
-              <a:rPr kumimoji="1" lang="ja-JP" altLang="en-US"/>
-              <a:t>レベル</a:t>
-            </a:r>
-          </a:p>
-          <a:p>
-            <a:pPr lvl="3"/>
-            <a:r>
-              <a:rPr kumimoji="1" lang="ja-JP" altLang="en-US"/>
-              <a:t>第 </a:t>
-            </a:r>
-            <a:r>
-              <a:rPr kumimoji="1" lang="en-US" altLang="ja-JP"/>
-              <a:t>4 </a:t>
-            </a:r>
-            <a:r>
-              <a:rPr kumimoji="1" lang="ja-JP" altLang="en-US"/>
-              <a:t>レベル</a:t>
-            </a:r>
-          </a:p>
-          <a:p>
-            <a:pPr lvl="4"/>
-            <a:r>
-              <a:rPr kumimoji="1" lang="ja-JP" altLang="en-US"/>
-              <a:t>第 </a:t>
-            </a:r>
-            <a:r>
-              <a:rPr kumimoji="1" lang="en-US" altLang="ja-JP"/>
-              <a:t>5 </a:t>
-            </a:r>
-            <a:r>
-              <a:rPr kumimoji="1" lang="ja-JP" altLang="en-US"/>
-              <a:t>レベル</a:t>
-            </a:r>
-          </a:p>
-        </p:txBody>
-      </p:sp>
-      <p:sp>
-        <p:nvSpPr>
-          <p:cNvPr id="4" name="日付プレースホルダー 3">
-            <a:extLst>
-              <a:ext uri="{FF2B5EF4-FFF2-40B4-BE49-F238E27FC236}">
-                <a16:creationId xmlns:a16="http://schemas.microsoft.com/office/drawing/2014/main" id="{64B74790-46D4-45C9-A095-DE0FC8544F3B}"/>
-              </a:ext>
-            </a:extLst>
-          </p:cNvPr>
-          <p:cNvSpPr>
-            <a:spLocks noGrp="1"/>
-          </p:cNvSpPr>
-          <p:nvPr>
-            <p:ph type="dt" sz="half" idx="2"/>
-          </p:nvPr>
-        </p:nvSpPr>
-        <p:spPr>
-          <a:xfrm>
-            <a:off x="838200" y="6356350"/>
-            <a:ext cx="2743200" cy="365125"/>
-          </a:xfrm>
-          <a:prstGeom prst="rect">
-            <a:avLst/>
-          </a:prstGeom>
-        </p:spPr>
-        <p:txBody>
-          <a:bodyPr vert="horz" lIns="91440" tIns="45720" rIns="91440" bIns="45720" rtlCol="0" anchor="ctr"/>
-          <a:lstStyle>
-            <a:lvl1pPr algn="l">
-              <a:defRPr sz="1200">
-                <a:solidFill>
-                  <a:schemeClr val="tx1">
-                    <a:tint val="75000"/>
-                  </a:schemeClr>
-                </a:solidFill>
-              </a:defRPr>
-            </a:lvl1pPr>
-          </a:lstStyle>
-          <a:p>
-            <a:fld id="{37F8C306-A8F6-4942-97D0-C7DA3DD9419B}" type="datetimeFigureOut">
-              <a:rPr kumimoji="1" lang="ja-JP" altLang="en-US" smtClean="0"/>
-              <a:t>2026/2/5</a:t>
-            </a:fld>
-            <a:endParaRPr kumimoji="1" lang="ja-JP" altLang="en-US"/>
-          </a:p>
-        </p:txBody>
-      </p:sp>
-      <p:sp>
-        <p:nvSpPr>
-          <p:cNvPr id="5" name="フッター プレースホルダー 4">
-            <a:extLst>
-              <a:ext uri="{FF2B5EF4-FFF2-40B4-BE49-F238E27FC236}">
-                <a16:creationId xmlns:a16="http://schemas.microsoft.com/office/drawing/2014/main" id="{2597108C-A5B0-4374-A2DA-BEB38E92C81B}"/>
-              </a:ext>
-            </a:extLst>
-          </p:cNvPr>
-          <p:cNvSpPr>
-            <a:spLocks noGrp="1"/>
-          </p:cNvSpPr>
-          <p:nvPr>
-            <p:ph type="ftr" sz="quarter" idx="3"/>
-          </p:nvPr>
-        </p:nvSpPr>
-        <p:spPr>
-          <a:xfrm>
-            <a:off x="4038600" y="6356350"/>
-            <a:ext cx="4114800" cy="365125"/>
-          </a:xfrm>
-          <a:prstGeom prst="rect">
-            <a:avLst/>
-          </a:prstGeom>
-        </p:spPr>
-        <p:txBody>
-          <a:bodyPr vert="horz" lIns="91440" tIns="45720" rIns="91440" bIns="45720" rtlCol="0" anchor="ctr"/>
-          <a:lstStyle>
-            <a:lvl1pPr algn="ctr">
-              <a:defRPr sz="1200">
-                <a:solidFill>
-                  <a:schemeClr val="tx1">
-                    <a:tint val="75000"/>
-                  </a:schemeClr>
-                </a:solidFill>
-              </a:defRPr>
-            </a:lvl1pPr>
-          </a:lstStyle>
-          <a:p>
-            <a:endParaRPr kumimoji="1" lang="ja-JP" altLang="en-US"/>
-          </a:p>
-        </p:txBody>
-      </p:sp>
-      <p:sp>
-        <p:nvSpPr>
-          <p:cNvPr id="6" name="スライド番号プレースホルダー 5">
-            <a:extLst>
-              <a:ext uri="{FF2B5EF4-FFF2-40B4-BE49-F238E27FC236}">
-                <a16:creationId xmlns:a16="http://schemas.microsoft.com/office/drawing/2014/main" id="{2D1964DD-FAA0-4A9C-A09B-E55980BF1231}"/>
-              </a:ext>
-            </a:extLst>
-          </p:cNvPr>
-          <p:cNvSpPr>
-            <a:spLocks noGrp="1"/>
-          </p:cNvSpPr>
-          <p:nvPr>
-            <p:ph type="sldNum" sz="quarter" idx="4"/>
-          </p:nvPr>
-        </p:nvSpPr>
-        <p:spPr>
-          <a:xfrm>
-            <a:off x="8610600" y="6356350"/>
-            <a:ext cx="2743200" cy="365125"/>
-          </a:xfrm>
-          <a:prstGeom prst="rect">
-            <a:avLst/>
-          </a:prstGeom>
-        </p:spPr>
-        <p:txBody>
-          <a:bodyPr vert="horz" lIns="91440" tIns="45720" rIns="91440" bIns="45720" rtlCol="0" anchor="ctr"/>
-          <a:lstStyle>
-            <a:lvl1pPr algn="r">
-              <a:defRPr sz="1200">
-                <a:solidFill>
-                  <a:schemeClr val="tx1">
-                    <a:tint val="75000"/>
-                  </a:schemeClr>
-                </a:solidFill>
-              </a:defRPr>
-            </a:lvl1pPr>
-          </a:lstStyle>
-          <a:p>
-            <a:fld id="{BDE7580A-C3A4-4031-8E90-90D5451F8C54}" type="slidenum">
-              <a:rPr kumimoji="1" lang="ja-JP" altLang="en-US" smtClean="0"/>
-              <a:t>‹#›</a:t>
-            </a:fld>
-            <a:endParaRPr kumimoji="1" lang="ja-JP" altLang="en-US"/>
-          </a:p>
-        </p:txBody>
-      </p:sp>
     </p:spTree>
     <p:extLst>
       <p:ext uri="{BB962C8B-B14F-4D97-AF65-F5344CB8AC3E}">
@@ -3609,31 +3709,364 @@
           <a:chExt cx="0" cy="0"/>
         </a:xfrm>
       </p:grpSpPr>
-      <p:sp>
-        <p:nvSpPr>
-          <p:cNvPr id="2" name="タイトル 1">
-            <a:extLst>
-              <a:ext uri="{FF2B5EF4-FFF2-40B4-BE49-F238E27FC236}">
-                <a16:creationId xmlns:a16="http://schemas.microsoft.com/office/drawing/2014/main" id="{D37E33E2-5FFC-46D4-AFF7-A9B3F0C9E3D3}"/>
-              </a:ext>
-            </a:extLst>
-          </p:cNvPr>
-          <p:cNvSpPr>
-            <a:spLocks noGrp="1"/>
-          </p:cNvSpPr>
-          <p:nvPr>
-            <p:ph type="ctrTitle"/>
-          </p:nvPr>
-        </p:nvSpPr>
-        <p:spPr/>
-        <p:txBody>
-          <a:bodyPr/>
-          <a:lstStyle/>
-          <a:p>
-            <a:endParaRPr kumimoji="1" lang="ja-JP" altLang="en-US" dirty="0"/>
-          </a:p>
-        </p:txBody>
-      </p:sp>
+      <p:pic>
+        <p:nvPicPr>
+          <p:cNvPr id="4" name="図 3">
+            <a:extLst>
+              <a:ext uri="{FF2B5EF4-FFF2-40B4-BE49-F238E27FC236}">
+                <a16:creationId xmlns:a16="http://schemas.microsoft.com/office/drawing/2014/main" id="{38F09C26-90DA-4065-A292-4A835D6E57E9}"/>
+              </a:ext>
+            </a:extLst>
+          </p:cNvPr>
+          <p:cNvPicPr>
+            <a:picLocks noChangeAspect="1"/>
+          </p:cNvPicPr>
+          <p:nvPr/>
+        </p:nvPicPr>
+        <p:blipFill>
+          <a:blip r:embed="rId2">
+            <a:extLst>
+              <a:ext uri="{28A0092B-C50C-407E-A947-70E740481C1C}">
+                <a14:useLocalDpi xmlns:a14="http://schemas.microsoft.com/office/drawing/2010/main" val="0"/>
+              </a:ext>
+            </a:extLst>
+          </a:blip>
+          <a:stretch>
+            <a:fillRect/>
+          </a:stretch>
+        </p:blipFill>
+        <p:spPr>
+          <a:xfrm>
+            <a:off x="0" y="0"/>
+            <a:ext cx="12192000" cy="6858000"/>
+          </a:xfrm>
+          <a:prstGeom prst="rect">
+            <a:avLst/>
+          </a:prstGeom>
+        </p:spPr>
+      </p:pic>
+      <p:graphicFrame>
+        <p:nvGraphicFramePr>
+          <p:cNvPr id="5" name="表 2">
+            <a:extLst>
+              <a:ext uri="{FF2B5EF4-FFF2-40B4-BE49-F238E27FC236}">
+                <a16:creationId xmlns:a16="http://schemas.microsoft.com/office/drawing/2014/main" id="{096E9D75-5DD4-4563-A4B7-B68F2E017D21}"/>
+              </a:ext>
+            </a:extLst>
+          </p:cNvPr>
+          <p:cNvGraphicFramePr>
+            <a:graphicFrameLocks noGrp="1"/>
+          </p:cNvGraphicFramePr>
+          <p:nvPr>
+            <p:extLst>
+              <p:ext uri="{D42A27DB-BD31-4B8C-83A1-F6EECF244321}">
+                <p14:modId xmlns:p14="http://schemas.microsoft.com/office/powerpoint/2010/main" val="3726480882"/>
+              </p:ext>
+            </p:extLst>
+          </p:nvPr>
+        </p:nvGraphicFramePr>
+        <p:xfrm>
+          <a:off x="3278909" y="4159056"/>
+          <a:ext cx="4774045" cy="1854200"/>
+        </p:xfrm>
+        <a:graphic>
+          <a:graphicData uri="http://schemas.openxmlformats.org/drawingml/2006/table">
+            <a:tbl>
+              <a:tblPr firstRow="1" bandRow="1">
+                <a:tableStyleId>{5940675A-B579-460E-94D1-54222C63F5DA}</a:tableStyleId>
+              </a:tblPr>
+              <a:tblGrid>
+                <a:gridCol w="4774045">
+                  <a:extLst>
+                    <a:ext uri="{9D8B030D-6E8A-4147-A177-3AD203B41FA5}">
+                      <a16:colId xmlns:a16="http://schemas.microsoft.com/office/drawing/2014/main" val="1112141746"/>
+                    </a:ext>
+                  </a:extLst>
+                </a:gridCol>
+              </a:tblGrid>
+              <a:tr h="370840">
+                <a:tc>
+                  <a:txBody>
+                    <a:bodyPr/>
+                    <a:lstStyle/>
+                    <a:p>
+                      <a:pPr algn="ctr"/>
+                      <a:r>
+                        <a:rPr kumimoji="1" lang="ja-JP" altLang="en-US" dirty="0">
+                          <a:solidFill>
+                            <a:schemeClr val="bg1"/>
+                          </a:solidFill>
+                        </a:rPr>
+                        <a:t>詳細</a:t>
+                      </a:r>
+                    </a:p>
+                  </a:txBody>
+                  <a:tcPr>
+                    <a:lnL w="12700" cap="flat" cmpd="sng" algn="ctr">
+                      <a:solidFill>
+                        <a:schemeClr val="tx1"/>
+                      </a:solidFill>
+                      <a:prstDash val="solid"/>
+                      <a:round/>
+                      <a:headEnd type="none" w="med" len="med"/>
+                      <a:tailEnd type="none" w="med" len="med"/>
+                    </a:lnL>
+                    <a:lnR w="12700" cap="flat" cmpd="sng" algn="ctr">
+                      <a:solidFill>
+                        <a:schemeClr val="tx1"/>
+                      </a:solidFill>
+                      <a:prstDash val="solid"/>
+                      <a:round/>
+                      <a:headEnd type="none" w="med" len="med"/>
+                      <a:tailEnd type="none" w="med" len="med"/>
+                    </a:lnR>
+                    <a:lnT w="12700" cap="flat" cmpd="sng" algn="ctr">
+                      <a:solidFill>
+                        <a:schemeClr val="tx1"/>
+                      </a:solidFill>
+                      <a:prstDash val="solid"/>
+                      <a:round/>
+                      <a:headEnd type="none" w="med" len="med"/>
+                      <a:tailEnd type="none" w="med" len="med"/>
+                    </a:lnT>
+                    <a:solidFill>
+                      <a:schemeClr val="tx1"/>
+                    </a:solidFill>
+                  </a:tcPr>
+                </a:tc>
+                <a:extLst>
+                  <a:ext uri="{0D108BD9-81ED-4DB2-BD59-A6C34878D82A}">
+                    <a16:rowId xmlns:a16="http://schemas.microsoft.com/office/drawing/2014/main" val="383113844"/>
+                  </a:ext>
+                </a:extLst>
+              </a:tr>
+              <a:tr h="370840">
+                <a:tc>
+                  <a:txBody>
+                    <a:bodyPr/>
+                    <a:lstStyle/>
+                    <a:p>
+                      <a:r>
+                        <a:rPr kumimoji="1" lang="en-US" altLang="ja-JP" dirty="0"/>
+                        <a:t>Press</a:t>
+                      </a:r>
+                      <a:r>
+                        <a:rPr kumimoji="1" lang="ja-JP" altLang="en-US" dirty="0"/>
+                        <a:t>〇〇</a:t>
+                      </a:r>
+                      <a:r>
+                        <a:rPr kumimoji="1" lang="en-US" altLang="ja-JP" dirty="0"/>
+                        <a:t>Key</a:t>
+                      </a:r>
+                      <a:r>
+                        <a:rPr kumimoji="1" lang="ja-JP" altLang="en-US" dirty="0"/>
+                        <a:t>の文字をタイトル画面の下に表示</a:t>
+                      </a:r>
+                    </a:p>
+                  </a:txBody>
+                  <a:tcPr>
+                    <a:lnL w="12700" cap="flat" cmpd="sng" algn="ctr">
+                      <a:solidFill>
+                        <a:schemeClr val="tx1"/>
+                      </a:solidFill>
+                      <a:prstDash val="solid"/>
+                      <a:round/>
+                      <a:headEnd type="none" w="med" len="med"/>
+                      <a:tailEnd type="none" w="med" len="med"/>
+                    </a:lnL>
+                    <a:lnR w="12700" cap="flat" cmpd="sng" algn="ctr">
+                      <a:solidFill>
+                        <a:schemeClr val="tx1"/>
+                      </a:solidFill>
+                      <a:prstDash val="solid"/>
+                      <a:round/>
+                      <a:headEnd type="none" w="med" len="med"/>
+                      <a:tailEnd type="none" w="med" len="med"/>
+                    </a:lnR>
+                  </a:tcPr>
+                </a:tc>
+                <a:extLst>
+                  <a:ext uri="{0D108BD9-81ED-4DB2-BD59-A6C34878D82A}">
+                    <a16:rowId xmlns:a16="http://schemas.microsoft.com/office/drawing/2014/main" val="2838620246"/>
+                  </a:ext>
+                </a:extLst>
+              </a:tr>
+              <a:tr h="370840">
+                <a:tc>
+                  <a:txBody>
+                    <a:bodyPr/>
+                    <a:lstStyle/>
+                    <a:p>
+                      <a:r>
+                        <a:rPr kumimoji="1" lang="en-US" altLang="ja-JP" dirty="0"/>
+                        <a:t>Press</a:t>
+                      </a:r>
+                      <a:r>
+                        <a:rPr kumimoji="1" lang="ja-JP" altLang="en-US" dirty="0"/>
+                        <a:t>〇〇</a:t>
+                      </a:r>
+                      <a:r>
+                        <a:rPr kumimoji="1" lang="en-US" altLang="ja-JP" dirty="0"/>
+                        <a:t>Key</a:t>
+                      </a:r>
+                      <a:r>
+                        <a:rPr kumimoji="1" lang="ja-JP" altLang="en-US" dirty="0"/>
+                        <a:t>の文字をゆっくり点滅させる</a:t>
+                      </a:r>
+                    </a:p>
+                  </a:txBody>
+                  <a:tcPr>
+                    <a:lnL w="12700" cap="flat" cmpd="sng" algn="ctr">
+                      <a:solidFill>
+                        <a:schemeClr val="tx1"/>
+                      </a:solidFill>
+                      <a:prstDash val="solid"/>
+                      <a:round/>
+                      <a:headEnd type="none" w="med" len="med"/>
+                      <a:tailEnd type="none" w="med" len="med"/>
+                    </a:lnL>
+                    <a:lnR w="12700" cap="flat" cmpd="sng" algn="ctr">
+                      <a:solidFill>
+                        <a:schemeClr val="tx1"/>
+                      </a:solidFill>
+                      <a:prstDash val="solid"/>
+                      <a:round/>
+                      <a:headEnd type="none" w="med" len="med"/>
+                      <a:tailEnd type="none" w="med" len="med"/>
+                    </a:lnR>
+                  </a:tcPr>
+                </a:tc>
+                <a:extLst>
+                  <a:ext uri="{0D108BD9-81ED-4DB2-BD59-A6C34878D82A}">
+                    <a16:rowId xmlns:a16="http://schemas.microsoft.com/office/drawing/2014/main" val="881170848"/>
+                  </a:ext>
+                </a:extLst>
+              </a:tr>
+              <a:tr h="370840">
+                <a:tc>
+                  <a:txBody>
+                    <a:bodyPr/>
+                    <a:lstStyle/>
+                    <a:p>
+                      <a:pPr marL="0" marR="0" lvl="0" indent="0" algn="l" defTabSz="914400" rtl="0" eaLnBrk="1" fontAlgn="auto" latinLnBrk="0" hangingPunct="1">
+                        <a:lnSpc>
+                          <a:spcPct val="100000"/>
+                        </a:lnSpc>
+                        <a:spcBef>
+                          <a:spcPts val="0"/>
+                        </a:spcBef>
+                        <a:spcAft>
+                          <a:spcPts val="0"/>
+                        </a:spcAft>
+                        <a:buClrTx/>
+                        <a:buSzTx/>
+                        <a:buFontTx/>
+                        <a:buNone/>
+                        <a:tabLst/>
+                        <a:defRPr/>
+                      </a:pPr>
+                      <a:r>
+                        <a:rPr kumimoji="1" lang="ja-JP" altLang="en-US" dirty="0"/>
+                        <a:t>オプションメニュー（検討）</a:t>
+                      </a:r>
+                    </a:p>
+                  </a:txBody>
+                  <a:tcPr>
+                    <a:lnL w="12700" cap="flat" cmpd="sng" algn="ctr">
+                      <a:solidFill>
+                        <a:schemeClr val="tx1"/>
+                      </a:solidFill>
+                      <a:prstDash val="solid"/>
+                      <a:round/>
+                      <a:headEnd type="none" w="med" len="med"/>
+                      <a:tailEnd type="none" w="med" len="med"/>
+                    </a:lnL>
+                    <a:lnR w="12700" cap="flat" cmpd="sng" algn="ctr">
+                      <a:solidFill>
+                        <a:schemeClr val="tx1"/>
+                      </a:solidFill>
+                      <a:prstDash val="solid"/>
+                      <a:round/>
+                      <a:headEnd type="none" w="med" len="med"/>
+                      <a:tailEnd type="none" w="med" len="med"/>
+                    </a:lnR>
+                  </a:tcPr>
+                </a:tc>
+                <a:extLst>
+                  <a:ext uri="{0D108BD9-81ED-4DB2-BD59-A6C34878D82A}">
+                    <a16:rowId xmlns:a16="http://schemas.microsoft.com/office/drawing/2014/main" val="4265022681"/>
+                  </a:ext>
+                </a:extLst>
+              </a:tr>
+              <a:tr h="370840">
+                <a:tc>
+                  <a:txBody>
+                    <a:bodyPr/>
+                    <a:lstStyle/>
+                    <a:p>
+                      <a:pPr marL="0" marR="0" lvl="0" indent="0" algn="l" defTabSz="914400" rtl="0" eaLnBrk="1" fontAlgn="auto" latinLnBrk="0" hangingPunct="1">
+                        <a:lnSpc>
+                          <a:spcPct val="100000"/>
+                        </a:lnSpc>
+                        <a:spcBef>
+                          <a:spcPts val="0"/>
+                        </a:spcBef>
+                        <a:spcAft>
+                          <a:spcPts val="0"/>
+                        </a:spcAft>
+                        <a:buClrTx/>
+                        <a:buSzTx/>
+                        <a:buFontTx/>
+                        <a:buNone/>
+                        <a:tabLst/>
+                        <a:defRPr/>
+                      </a:pPr>
+                      <a:r>
+                        <a:rPr kumimoji="1" lang="ja-JP" altLang="en-US" dirty="0"/>
+                        <a:t>夕焼けのような色合いの背景を使用する</a:t>
+                      </a:r>
+                    </a:p>
+                  </a:txBody>
+                  <a:tcPr>
+                    <a:lnL w="12700" cap="flat" cmpd="sng" algn="ctr">
+                      <a:solidFill>
+                        <a:schemeClr val="tx1"/>
+                      </a:solidFill>
+                      <a:prstDash val="solid"/>
+                      <a:round/>
+                      <a:headEnd type="none" w="med" len="med"/>
+                      <a:tailEnd type="none" w="med" len="med"/>
+                    </a:lnL>
+                    <a:lnR w="12700" cap="flat" cmpd="sng" algn="ctr">
+                      <a:solidFill>
+                        <a:schemeClr val="tx1"/>
+                      </a:solidFill>
+                      <a:prstDash val="solid"/>
+                      <a:round/>
+                      <a:headEnd type="none" w="med" len="med"/>
+                      <a:tailEnd type="none" w="med" len="med"/>
+                    </a:lnR>
+                    <a:lnB w="12700" cap="flat" cmpd="sng" algn="ctr">
+                      <a:solidFill>
+                        <a:schemeClr val="tx1"/>
+                      </a:solidFill>
+                      <a:prstDash val="solid"/>
+                      <a:round/>
+                      <a:headEnd type="none" w="med" len="med"/>
+                      <a:tailEnd type="none" w="med" len="med"/>
+                    </a:lnB>
+                  </a:tcPr>
+                </a:tc>
+                <a:extLst>
+                  <a:ext uri="{0D108BD9-81ED-4DB2-BD59-A6C34878D82A}">
+                    <a16:rowId xmlns:a16="http://schemas.microsoft.com/office/drawing/2014/main" val="104596649"/>
+                  </a:ext>
+                </a:extLst>
+              </a:tr>
+            </a:tbl>
+          </a:graphicData>
+        </a:graphic>
+      </p:graphicFrame>
     </p:spTree>
     <p:extLst>
       <p:ext uri="{BB962C8B-B14F-4D97-AF65-F5344CB8AC3E}">
@@ -3688,110 +4121,16 @@
         <a:srgbClr val="954F72"/>
       </a:folHlink>
     </a:clrScheme>
-    <a:fontScheme name="Office">
+    <a:fontScheme name="ユーザー定義 1">
       <a:majorFont>
-        <a:latin typeface="游ゴシック Light" panose="020F0302020204030204"/>
-        <a:ea typeface=""/>
+        <a:latin typeface="ＭＳ Ｐゴシック"/>
+        <a:ea typeface="ＭＳ Ｐゴシック"/>
         <a:cs typeface=""/>
-        <a:font script="Jpan" typeface="游ゴシック Light"/>
-        <a:font script="Hang" typeface="맑은 고딕"/>
-        <a:font script="Hans" typeface="等线 Light"/>
-        <a:font script="Hant" typeface="新細明體"/>
-        <a:font script="Arab" typeface="Times New Roman"/>
-        <a:font script="Hebr" typeface="Times New Roman"/>
-        <a:font script="Thai" typeface="Angsana New"/>
-        <a:font script="Ethi" typeface="Nyala"/>
-        <a:font script="Beng" typeface="Vrinda"/>
-        <a:font script="Gujr" typeface="Shruti"/>
-        <a:font script="Khmr" typeface="MoolBoran"/>
-        <a:font script="Knda" typeface="Tunga"/>
-        <a:font script="Guru" typeface="Raavi"/>
-        <a:font script="Cans" typeface="Euphemia"/>
-        <a:font script="Cher" typeface="Plantagenet Cherokee"/>
-        <a:font script="Yiii" typeface="Microsoft Yi Baiti"/>
-        <a:font script="Tibt" typeface="Microsoft Himalaya"/>
-        <a:font script="Thaa" typeface="MV Boli"/>
-        <a:font script="Deva" typeface="Mangal"/>
-        <a:font script="Telu" typeface="Gautami"/>
-        <a:font script="Taml" typeface="Latha"/>
-        <a:font script="Syrc" typeface="Estrangelo Edessa"/>
-        <a:font script="Orya" typeface="Kalinga"/>
-        <a:font script="Mlym" typeface="Kartika"/>
-        <a:font script="Laoo" typeface="DokChampa"/>
-        <a:font script="Sinh" typeface="Iskoola Pota"/>
-        <a:font script="Mong" typeface="Mongolian Baiti"/>
-        <a:font script="Viet" typeface="Times New Roman"/>
-        <a:font script="Uigh" typeface="Microsoft Uighur"/>
-        <a:font script="Geor" typeface="Sylfaen"/>
-        <a:font script="Armn" typeface="Arial"/>
-        <a:font script="Bugi" typeface="Leelawadee UI"/>
-        <a:font script="Bopo" typeface="Microsoft JhengHei"/>
-        <a:font script="Java" typeface="Javanese Text"/>
-        <a:font script="Lisu" typeface="Segoe UI"/>
-        <a:font script="Mymr" typeface="Myanmar Text"/>
-        <a:font script="Nkoo" typeface="Ebrima"/>
-        <a:font script="Olck" typeface="Nirmala UI"/>
-        <a:font script="Osma" typeface="Ebrima"/>
-        <a:font script="Phag" typeface="Phagspa"/>
-        <a:font script="Syrn" typeface="Estrangelo Edessa"/>
-        <a:font script="Syrj" typeface="Estrangelo Edessa"/>
-        <a:font script="Syre" typeface="Estrangelo Edessa"/>
-        <a:font script="Sora" typeface="Nirmala UI"/>
-        <a:font script="Tale" typeface="Microsoft Tai Le"/>
-        <a:font script="Talu" typeface="Microsoft New Tai Lue"/>
-        <a:font script="Tfng" typeface="Ebrima"/>
       </a:majorFont>
       <a:minorFont>
-        <a:latin typeface="游ゴシック" panose="020F0502020204030204"/>
-        <a:ea typeface=""/>
+        <a:latin typeface="ＭＳ Ｐゴシック"/>
+        <a:ea typeface="ＭＳ Ｐゴシック"/>
         <a:cs typeface=""/>
-        <a:font script="Jpan" typeface="游ゴシック"/>
-        <a:font script="Hang" typeface="맑은 고딕"/>
-        <a:font script="Hans" typeface="等线"/>
-        <a:font script="Hant" typeface="新細明體"/>
-        <a:font script="Arab" typeface="Arial"/>
-        <a:font script="Hebr" typeface="Arial"/>
-        <a:font script="Thai" typeface="Cordia New"/>
-        <a:font script="Ethi" typeface="Nyala"/>
-        <a:font script="Beng" typeface="Vrinda"/>
-        <a:font script="Gujr" typeface="Shruti"/>
-        <a:font script="Khmr" typeface="DaunPenh"/>
-        <a:font script="Knda" typeface="Tunga"/>
-        <a:font script="Guru" typeface="Raavi"/>
-        <a:font script="Cans" typeface="Euphemia"/>
-        <a:font script="Cher" typeface="Plantagenet Cherokee"/>
-        <a:font script="Yiii" typeface="Microsoft Yi Baiti"/>
-        <a:font script="Tibt" typeface="Microsoft Himalaya"/>
-        <a:font script="Thaa" typeface="MV Boli"/>
-        <a:font script="Deva" typeface="Mangal"/>
-        <a:font script="Telu" typeface="Gautami"/>
-        <a:font script="Taml" typeface="Latha"/>
-        <a:font script="Syrc" typeface="Estrangelo Edessa"/>
-        <a:font script="Orya" typeface="Kalinga"/>
-        <a:font script="Mlym" typeface="Kartika"/>
-        <a:font script="Laoo" typeface="DokChampa"/>
-        <a:font script="Sinh" typeface="Iskoola Pota"/>
-        <a:font script="Mong" typeface="Mongolian Baiti"/>
-        <a:font script="Viet" typeface="Arial"/>
-        <a:font script="Uigh" typeface="Microsoft Uighur"/>
-        <a:font script="Geor" typeface="Sylfaen"/>
-        <a:font script="Armn" typeface="Arial"/>
-        <a:font script="Bugi" typeface="Leelawadee UI"/>
-        <a:font script="Bopo" typeface="Microsoft JhengHei"/>
-        <a:font script="Java" typeface="Javanese Text"/>
-        <a:font script="Lisu" typeface="Segoe UI"/>
-        <a:font script="Mymr" typeface="Myanmar Text"/>
-        <a:font script="Nkoo" typeface="Ebrima"/>
-        <a:font script="Olck" typeface="Nirmala UI"/>
-        <a:font script="Osma" typeface="Ebrima"/>
-        <a:font script="Phag" typeface="Phagspa"/>
-        <a:font script="Syrn" typeface="Estrangelo Edessa"/>
-        <a:font script="Syrj" typeface="Estrangelo Edessa"/>
-        <a:font script="Syre" typeface="Estrangelo Edessa"/>
-        <a:font script="Sora" typeface="Nirmala UI"/>
-        <a:font script="Tale" typeface="Microsoft Tai Le"/>
-        <a:font script="Talu" typeface="Microsoft New Tai Lue"/>
-        <a:font script="Tfng" typeface="Ebrima"/>
       </a:minorFont>
     </a:fontScheme>
     <a:fmtScheme name="Office">
